--- a/documentation/Baddy_presentation_v5.pptx
+++ b/documentation/Baddy_presentation_v5.pptx
@@ -14925,7 +14925,15 @@
             <a:pPr lvl="1"/>
             <a:r>
               <a:rPr lang="en-US" dirty="0"/>
-              <a:t>Let a caregiver know you are interested in his/her </a:t>
+              <a:t>Let a caregiver know </a:t>
+            </a:r>
+            <a:r>
+              <a:rPr lang="en-US" dirty="0" smtClean="0"/>
+              <a:t>he is </a:t>
+            </a:r>
+            <a:r>
+              <a:rPr lang="en-US" dirty="0"/>
+              <a:t>interested in his/her </a:t>
             </a:r>
           </a:p>
           <a:p>
